--- a/public/images/favicon.pptx
+++ b/public/images/favicon.pptx
@@ -259,7 +259,7 @@
           <a:p>
             <a:fld id="{58B2394E-854E-4D98-9C9D-0F0C44DCD07B}" type="datetimeFigureOut">
               <a:rPr lang="en-US" smtClean="0"/>
-              <a:t>7/2/2023</a:t>
+              <a:t>7/14/2023</a:t>
             </a:fld>
             <a:endParaRPr lang="en-US"/>
           </a:p>
@@ -457,7 +457,7 @@
           <a:p>
             <a:fld id="{58B2394E-854E-4D98-9C9D-0F0C44DCD07B}" type="datetimeFigureOut">
               <a:rPr lang="en-US" smtClean="0"/>
-              <a:t>7/2/2023</a:t>
+              <a:t>7/14/2023</a:t>
             </a:fld>
             <a:endParaRPr lang="en-US"/>
           </a:p>
@@ -665,7 +665,7 @@
           <a:p>
             <a:fld id="{58B2394E-854E-4D98-9C9D-0F0C44DCD07B}" type="datetimeFigureOut">
               <a:rPr lang="en-US" smtClean="0"/>
-              <a:t>7/2/2023</a:t>
+              <a:t>7/14/2023</a:t>
             </a:fld>
             <a:endParaRPr lang="en-US"/>
           </a:p>
@@ -863,7 +863,7 @@
           <a:p>
             <a:fld id="{58B2394E-854E-4D98-9C9D-0F0C44DCD07B}" type="datetimeFigureOut">
               <a:rPr lang="en-US" smtClean="0"/>
-              <a:t>7/2/2023</a:t>
+              <a:t>7/14/2023</a:t>
             </a:fld>
             <a:endParaRPr lang="en-US"/>
           </a:p>
@@ -1138,7 +1138,7 @@
           <a:p>
             <a:fld id="{58B2394E-854E-4D98-9C9D-0F0C44DCD07B}" type="datetimeFigureOut">
               <a:rPr lang="en-US" smtClean="0"/>
-              <a:t>7/2/2023</a:t>
+              <a:t>7/14/2023</a:t>
             </a:fld>
             <a:endParaRPr lang="en-US"/>
           </a:p>
@@ -1403,7 +1403,7 @@
           <a:p>
             <a:fld id="{58B2394E-854E-4D98-9C9D-0F0C44DCD07B}" type="datetimeFigureOut">
               <a:rPr lang="en-US" smtClean="0"/>
-              <a:t>7/2/2023</a:t>
+              <a:t>7/14/2023</a:t>
             </a:fld>
             <a:endParaRPr lang="en-US"/>
           </a:p>
@@ -1815,7 +1815,7 @@
           <a:p>
             <a:fld id="{58B2394E-854E-4D98-9C9D-0F0C44DCD07B}" type="datetimeFigureOut">
               <a:rPr lang="en-US" smtClean="0"/>
-              <a:t>7/2/2023</a:t>
+              <a:t>7/14/2023</a:t>
             </a:fld>
             <a:endParaRPr lang="en-US"/>
           </a:p>
@@ -1956,7 +1956,7 @@
           <a:p>
             <a:fld id="{58B2394E-854E-4D98-9C9D-0F0C44DCD07B}" type="datetimeFigureOut">
               <a:rPr lang="en-US" smtClean="0"/>
-              <a:t>7/2/2023</a:t>
+              <a:t>7/14/2023</a:t>
             </a:fld>
             <a:endParaRPr lang="en-US"/>
           </a:p>
@@ -2069,7 +2069,7 @@
           <a:p>
             <a:fld id="{58B2394E-854E-4D98-9C9D-0F0C44DCD07B}" type="datetimeFigureOut">
               <a:rPr lang="en-US" smtClean="0"/>
-              <a:t>7/2/2023</a:t>
+              <a:t>7/14/2023</a:t>
             </a:fld>
             <a:endParaRPr lang="en-US"/>
           </a:p>
@@ -2380,7 +2380,7 @@
           <a:p>
             <a:fld id="{58B2394E-854E-4D98-9C9D-0F0C44DCD07B}" type="datetimeFigureOut">
               <a:rPr lang="en-US" smtClean="0"/>
-              <a:t>7/2/2023</a:t>
+              <a:t>7/14/2023</a:t>
             </a:fld>
             <a:endParaRPr lang="en-US"/>
           </a:p>
@@ -2668,7 +2668,7 @@
           <a:p>
             <a:fld id="{58B2394E-854E-4D98-9C9D-0F0C44DCD07B}" type="datetimeFigureOut">
               <a:rPr lang="en-US" smtClean="0"/>
-              <a:t>7/2/2023</a:t>
+              <a:t>7/14/2023</a:t>
             </a:fld>
             <a:endParaRPr lang="en-US"/>
           </a:p>
@@ -2909,7 +2909,7 @@
           <a:p>
             <a:fld id="{58B2394E-854E-4D98-9C9D-0F0C44DCD07B}" type="datetimeFigureOut">
               <a:rPr lang="en-US" smtClean="0"/>
-              <a:t>7/2/2023</a:t>
+              <a:t>7/14/2023</a:t>
             </a:fld>
             <a:endParaRPr lang="en-US"/>
           </a:p>
@@ -3340,7 +3340,7 @@
         </p:nvGrpSpPr>
         <p:grpSpPr>
           <a:xfrm>
-            <a:off x="2483246" y="2024862"/>
+            <a:off x="809190" y="2057400"/>
             <a:ext cx="2743200" cy="2743200"/>
             <a:chOff x="6269497" y="1579393"/>
             <a:chExt cx="2743200" cy="2743200"/>
@@ -3540,7 +3540,7 @@
         </p:nvGrpSpPr>
         <p:grpSpPr>
           <a:xfrm>
-            <a:off x="6185100" y="2024862"/>
+            <a:off x="4511044" y="2057400"/>
             <a:ext cx="2743200" cy="2743200"/>
             <a:chOff x="6185100" y="2024862"/>
             <a:chExt cx="2743200" cy="2743200"/>
@@ -3830,6 +3830,208 @@
             </a:p>
           </p:txBody>
         </p:sp>
+      </p:grpSp>
+      <p:grpSp>
+        <p:nvGrpSpPr>
+          <p:cNvPr id="12" name="Group 11">
+            <a:extLst>
+              <a:ext uri="{FF2B5EF4-FFF2-40B4-BE49-F238E27FC236}">
+                <a16:creationId xmlns:a16="http://schemas.microsoft.com/office/drawing/2014/main" id="{A92C1BDE-068C-9BE4-6B28-2D763D14B63E}"/>
+              </a:ext>
+            </a:extLst>
+          </p:cNvPr>
+          <p:cNvGrpSpPr/>
+          <p:nvPr/>
+        </p:nvGrpSpPr>
+        <p:grpSpPr>
+          <a:xfrm>
+            <a:off x="8473738" y="2057400"/>
+            <a:ext cx="2743200" cy="2743200"/>
+            <a:chOff x="8473738" y="2057400"/>
+            <a:chExt cx="2743200" cy="2743200"/>
+          </a:xfrm>
+        </p:grpSpPr>
+        <p:sp>
+          <p:nvSpPr>
+            <p:cNvPr id="3" name="Rectangle 2">
+              <a:extLst>
+                <a:ext uri="{FF2B5EF4-FFF2-40B4-BE49-F238E27FC236}">
+                  <a16:creationId xmlns:a16="http://schemas.microsoft.com/office/drawing/2014/main" id="{AF536E2B-9EE6-47CA-1397-CEB430DDA55F}"/>
+                </a:ext>
+              </a:extLst>
+            </p:cNvPr>
+            <p:cNvSpPr/>
+            <p:nvPr/>
+          </p:nvSpPr>
+          <p:spPr>
+            <a:xfrm>
+              <a:off x="8473738" y="2057400"/>
+              <a:ext cx="2743200" cy="2743200"/>
+            </a:xfrm>
+            <a:prstGeom prst="rect">
+              <a:avLst/>
+            </a:prstGeom>
+            <a:solidFill>
+              <a:schemeClr val="bg1"/>
+            </a:solidFill>
+            <a:ln>
+              <a:noFill/>
+            </a:ln>
+          </p:spPr>
+          <p:style>
+            <a:lnRef idx="2">
+              <a:schemeClr val="accent1">
+                <a:shade val="50000"/>
+              </a:schemeClr>
+            </a:lnRef>
+            <a:fillRef idx="1">
+              <a:schemeClr val="accent1"/>
+            </a:fillRef>
+            <a:effectRef idx="0">
+              <a:schemeClr val="accent1"/>
+            </a:effectRef>
+            <a:fontRef idx="minor">
+              <a:schemeClr val="lt1"/>
+            </a:fontRef>
+          </p:style>
+          <p:txBody>
+            <a:bodyPr rtlCol="0" anchor="ctr"/>
+            <a:lstStyle/>
+            <a:p>
+              <a:pPr algn="ctr"/>
+              <a:endParaRPr lang="en-US"/>
+            </a:p>
+          </p:txBody>
+        </p:sp>
+        <p:grpSp>
+          <p:nvGrpSpPr>
+            <p:cNvPr id="5" name="Group 4">
+              <a:extLst>
+                <a:ext uri="{FF2B5EF4-FFF2-40B4-BE49-F238E27FC236}">
+                  <a16:creationId xmlns:a16="http://schemas.microsoft.com/office/drawing/2014/main" id="{6DCC585F-D739-70AE-1728-33DA5FF78CC3}"/>
+                </a:ext>
+              </a:extLst>
+            </p:cNvPr>
+            <p:cNvGrpSpPr/>
+            <p:nvPr/>
+          </p:nvGrpSpPr>
+          <p:grpSpPr>
+            <a:xfrm>
+              <a:off x="8792021" y="2672568"/>
+              <a:ext cx="2106636" cy="1512863"/>
+              <a:chOff x="6587780" y="2194561"/>
+              <a:chExt cx="2106636" cy="1512863"/>
+            </a:xfrm>
+          </p:grpSpPr>
+          <p:sp>
+            <p:nvSpPr>
+              <p:cNvPr id="6" name="Moon 5">
+                <a:extLst>
+                  <a:ext uri="{FF2B5EF4-FFF2-40B4-BE49-F238E27FC236}">
+                    <a16:creationId xmlns:a16="http://schemas.microsoft.com/office/drawing/2014/main" id="{91055FDB-97DF-8E9A-9158-62DFBB2B79F7}"/>
+                  </a:ext>
+                </a:extLst>
+              </p:cNvPr>
+              <p:cNvSpPr/>
+              <p:nvPr/>
+            </p:nvSpPr>
+            <p:spPr>
+              <a:xfrm rot="5400000">
+                <a:off x="7189322" y="1982524"/>
+                <a:ext cx="925243" cy="1967716"/>
+              </a:xfrm>
+              <a:prstGeom prst="moon">
+                <a:avLst>
+                  <a:gd name="adj" fmla="val 24581"/>
+                </a:avLst>
+              </a:prstGeom>
+              <a:solidFill>
+                <a:srgbClr val="C9DFFF"/>
+              </a:solidFill>
+              <a:ln>
+                <a:noFill/>
+              </a:ln>
+            </p:spPr>
+            <p:style>
+              <a:lnRef idx="2">
+                <a:schemeClr val="accent1">
+                  <a:shade val="50000"/>
+                </a:schemeClr>
+              </a:lnRef>
+              <a:fillRef idx="1">
+                <a:schemeClr val="accent1"/>
+              </a:fillRef>
+              <a:effectRef idx="0">
+                <a:schemeClr val="accent1"/>
+              </a:effectRef>
+              <a:fontRef idx="minor">
+                <a:schemeClr val="lt1"/>
+              </a:fontRef>
+            </p:style>
+            <p:txBody>
+              <a:bodyPr rtlCol="0" anchor="ctr"/>
+              <a:lstStyle/>
+              <a:p>
+                <a:pPr algn="ctr"/>
+                <a:endParaRPr lang="en-US"/>
+              </a:p>
+            </p:txBody>
+          </p:sp>
+          <p:sp>
+            <p:nvSpPr>
+              <p:cNvPr id="7" name="Moon 6">
+                <a:extLst>
+                  <a:ext uri="{FF2B5EF4-FFF2-40B4-BE49-F238E27FC236}">
+                    <a16:creationId xmlns:a16="http://schemas.microsoft.com/office/drawing/2014/main" id="{B15CEBA6-8F7E-4E7C-2CCE-24272FE8EB3E}"/>
+                  </a:ext>
+                </a:extLst>
+              </p:cNvPr>
+              <p:cNvSpPr/>
+              <p:nvPr/>
+            </p:nvSpPr>
+            <p:spPr>
+              <a:xfrm rot="5400000">
+                <a:off x="6884666" y="1897675"/>
+                <a:ext cx="1512863" cy="2106636"/>
+              </a:xfrm>
+              <a:prstGeom prst="moon">
+                <a:avLst>
+                  <a:gd name="adj" fmla="val 24581"/>
+                </a:avLst>
+              </a:prstGeom>
+              <a:solidFill>
+                <a:srgbClr val="0D6EFD"/>
+              </a:solidFill>
+              <a:ln>
+                <a:noFill/>
+              </a:ln>
+            </p:spPr>
+            <p:style>
+              <a:lnRef idx="2">
+                <a:schemeClr val="accent1">
+                  <a:shade val="50000"/>
+                </a:schemeClr>
+              </a:lnRef>
+              <a:fillRef idx="1">
+                <a:schemeClr val="accent1"/>
+              </a:fillRef>
+              <a:effectRef idx="0">
+                <a:schemeClr val="accent1"/>
+              </a:effectRef>
+              <a:fontRef idx="minor">
+                <a:schemeClr val="lt1"/>
+              </a:fontRef>
+            </p:style>
+            <p:txBody>
+              <a:bodyPr rtlCol="0" anchor="ctr"/>
+              <a:lstStyle/>
+              <a:p>
+                <a:pPr algn="ctr"/>
+                <a:endParaRPr lang="en-US"/>
+              </a:p>
+            </p:txBody>
+          </p:sp>
+        </p:grpSp>
       </p:grpSp>
     </p:spTree>
     <p:extLst>
